--- a/slides/Day_4.pptx
+++ b/slides/Day_4.pptx
@@ -3641,7 +3641,6 @@
               <a:rPr lang="en-US" dirty="0"/>
               <a:t>4</a:t>
             </a:r>
-            <a:endParaRPr lang="en-US" dirty="0"/>
           </a:p>
         </p:txBody>
       </p:sp>
@@ -3806,7 +3805,6 @@
               <a:rPr lang="en-US" dirty="0" smtClean="0"/>
               <a:t>Social network analysis</a:t>
             </a:r>
-            <a:endParaRPr lang="en-US" dirty="0" smtClean="0"/>
           </a:p>
         </p:txBody>
       </p:sp>
@@ -3938,6 +3936,47 @@
           </a:p>
         </p:txBody>
       </p:sp>
+      <p:sp>
+        <p:nvSpPr>
+          <p:cNvPr id="4" name="Rectangle 3"/>
+          <p:cNvSpPr/>
+          <p:nvPr/>
+        </p:nvSpPr>
+        <p:spPr>
+          <a:xfrm>
+            <a:off x="2231136" y="5855327"/>
+            <a:ext cx="8150831" cy="369332"/>
+          </a:xfrm>
+          <a:prstGeom prst="rect">
+            <a:avLst/>
+          </a:prstGeom>
+        </p:spPr>
+        <p:txBody>
+          <a:bodyPr wrap="square">
+            <a:spAutoFit/>
+          </a:bodyPr>
+          <a:lstStyle/>
+          <a:p>
+            <a:r>
+              <a:rPr lang="en-US" dirty="0">
+                <a:hlinkClick r:id="rId2"/>
+              </a:rPr>
+              <a:t>https://</a:t>
+            </a:r>
+            <a:r>
+              <a:rPr lang="en-US" dirty="0" smtClean="0">
+                <a:hlinkClick r:id="rId2"/>
+              </a:rPr>
+              <a:t>en.wikipedia.org/wiki/Association_rule_learning</a:t>
+            </a:r>
+            <a:r>
+              <a:rPr lang="en-US" dirty="0" smtClean="0"/>
+              <a:t> </a:t>
+            </a:r>
+            <a:endParaRPr lang="en-US" dirty="0"/>
+          </a:p>
+        </p:txBody>
+      </p:sp>
     </p:spTree>
     <p:extLst>
       <p:ext uri="{BB962C8B-B14F-4D97-AF65-F5344CB8AC3E}">
@@ -3985,7 +4024,18 @@
           <a:p>
             <a:r>
               <a:rPr lang="en-US" dirty="0" smtClean="0"/>
-              <a:t>Classification tree analysis</a:t>
+              <a:t>Classification/decision</a:t>
+            </a:r>
+            <a:br>
+              <a:rPr lang="en-US" dirty="0" smtClean="0"/>
+            </a:br>
+            <a:r>
+              <a:rPr lang="en-US" dirty="0" smtClean="0"/>
+              <a:t>tree </a:t>
+            </a:r>
+            <a:r>
+              <a:rPr lang="en-US" dirty="0" smtClean="0"/>
+              <a:t>analysis</a:t>
             </a:r>
             <a:endParaRPr lang="en-US" dirty="0"/>
           </a:p>
@@ -4044,6 +4094,47 @@
               <a:rPr lang="en-US" dirty="0"/>
               <a:t>• develop profiles of students who take online courses</a:t>
             </a:r>
+          </a:p>
+        </p:txBody>
+      </p:sp>
+      <p:sp>
+        <p:nvSpPr>
+          <p:cNvPr id="4" name="Rectangle 3"/>
+          <p:cNvSpPr/>
+          <p:nvPr/>
+        </p:nvSpPr>
+        <p:spPr>
+          <a:xfrm>
+            <a:off x="2231136" y="5288891"/>
+            <a:ext cx="5112490" cy="369332"/>
+          </a:xfrm>
+          <a:prstGeom prst="rect">
+            <a:avLst/>
+          </a:prstGeom>
+        </p:spPr>
+        <p:txBody>
+          <a:bodyPr wrap="none">
+            <a:spAutoFit/>
+          </a:bodyPr>
+          <a:lstStyle/>
+          <a:p>
+            <a:r>
+              <a:rPr lang="en-US" dirty="0">
+                <a:hlinkClick r:id="rId2"/>
+              </a:rPr>
+              <a:t>https://</a:t>
+            </a:r>
+            <a:r>
+              <a:rPr lang="en-US" dirty="0" smtClean="0">
+                <a:hlinkClick r:id="rId2"/>
+              </a:rPr>
+              <a:t>en.wikipedia.org/wiki/Decision_tree_learning</a:t>
+            </a:r>
+            <a:r>
+              <a:rPr lang="en-US" dirty="0" smtClean="0"/>
+              <a:t> </a:t>
+            </a:r>
+            <a:endParaRPr lang="en-US" dirty="0"/>
           </a:p>
         </p:txBody>
       </p:sp>
@@ -4113,12 +4204,12 @@
         <p:spPr>
           <a:xfrm>
             <a:off x="2231136" y="2638044"/>
-            <a:ext cx="7729728" cy="3526450"/>
+            <a:ext cx="7729728" cy="3916868"/>
           </a:xfrm>
         </p:spPr>
         <p:txBody>
           <a:bodyPr>
-            <a:normAutofit lnSpcReduction="10000"/>
+            <a:normAutofit fontScale="92500"/>
           </a:bodyPr>
           <a:lstStyle/>
           <a:p>
@@ -4179,8 +4270,30 @@
             </a:br>
             <a:r>
               <a:rPr lang="en-US" dirty="0"/>
-              <a:t>• generate “artificially creative” content such as puns and jokes</a:t>
-            </a:r>
+              <a:t>• generate “artificially creative” content such as puns and </a:t>
+            </a:r>
+            <a:r>
+              <a:rPr lang="en-US" dirty="0" smtClean="0"/>
+              <a:t>jokes</a:t>
+            </a:r>
+          </a:p>
+          <a:p>
+            <a:endParaRPr lang="en-US" dirty="0"/>
+          </a:p>
+          <a:p>
+            <a:r>
+              <a:rPr lang="en-US" dirty="0" smtClean="0"/>
+              <a:t>See </a:t>
+            </a:r>
+            <a:r>
+              <a:rPr lang="en-US" dirty="0" err="1" smtClean="0"/>
+              <a:t>neural_networks.pptx</a:t>
+            </a:r>
+            <a:r>
+              <a:rPr lang="en-US" dirty="0" smtClean="0"/>
+              <a:t> PowerPoint</a:t>
+            </a:r>
+            <a:endParaRPr lang="en-US" dirty="0"/>
           </a:p>
           <a:p>
             <a:endParaRPr lang="en-US" dirty="0"/>
@@ -4253,12 +4366,12 @@
         <p:spPr>
           <a:xfrm>
             <a:off x="2231136" y="2638044"/>
-            <a:ext cx="7729728" cy="3752482"/>
+            <a:ext cx="7729728" cy="4132626"/>
           </a:xfrm>
         </p:spPr>
         <p:txBody>
           <a:bodyPr>
-            <a:normAutofit fontScale="92500"/>
+            <a:normAutofit fontScale="92500" lnSpcReduction="10000"/>
           </a:bodyPr>
           <a:lstStyle/>
           <a:p>
@@ -4328,7 +4441,31 @@
               <a:rPr lang="en-US" dirty="0">
                 <a:hlinkClick r:id="rId2"/>
               </a:rPr>
-              <a:t>setting legal billing rates</a:t>
+              <a:t>setting legal billing </a:t>
+            </a:r>
+            <a:r>
+              <a:rPr lang="en-US" dirty="0" smtClean="0">
+                <a:hlinkClick r:id="rId2"/>
+              </a:rPr>
+              <a:t>rates</a:t>
+            </a:r>
+            <a:endParaRPr lang="en-US" dirty="0" smtClean="0"/>
+          </a:p>
+          <a:p>
+            <a:endParaRPr lang="en-US" dirty="0" smtClean="0"/>
+          </a:p>
+          <a:p>
+            <a:r>
+              <a:rPr lang="en-US" dirty="0" smtClean="0"/>
+              <a:t>See </a:t>
+            </a:r>
+            <a:r>
+              <a:rPr lang="en-US" dirty="0" err="1" smtClean="0"/>
+              <a:t>machine_learning_sale.pdf</a:t>
+            </a:r>
+            <a:r>
+              <a:rPr lang="en-US" dirty="0" smtClean="0"/>
+              <a:t> paper</a:t>
             </a:r>
             <a:endParaRPr lang="en-US" dirty="0"/>
           </a:p>
@@ -4481,6 +4618,47 @@
           </a:p>
         </p:txBody>
       </p:sp>
+      <p:sp>
+        <p:nvSpPr>
+          <p:cNvPr id="4" name="Rectangle 3"/>
+          <p:cNvSpPr/>
+          <p:nvPr/>
+        </p:nvSpPr>
+        <p:spPr>
+          <a:xfrm>
+            <a:off x="2434881" y="6433907"/>
+            <a:ext cx="4756174" cy="369332"/>
+          </a:xfrm>
+          <a:prstGeom prst="rect">
+            <a:avLst/>
+          </a:prstGeom>
+        </p:spPr>
+        <p:txBody>
+          <a:bodyPr wrap="none">
+            <a:spAutoFit/>
+          </a:bodyPr>
+          <a:lstStyle/>
+          <a:p>
+            <a:r>
+              <a:rPr lang="en-US" dirty="0">
+                <a:hlinkClick r:id="rId3"/>
+              </a:rPr>
+              <a:t>https://</a:t>
+            </a:r>
+            <a:r>
+              <a:rPr lang="en-US" dirty="0" smtClean="0">
+                <a:hlinkClick r:id="rId3"/>
+              </a:rPr>
+              <a:t>en.wikipedia.org/wiki/Regression_analysis</a:t>
+            </a:r>
+            <a:r>
+              <a:rPr lang="en-US" dirty="0" smtClean="0"/>
+              <a:t> </a:t>
+            </a:r>
+            <a:endParaRPr lang="en-US" dirty="0"/>
+          </a:p>
+        </p:txBody>
+      </p:sp>
     </p:spTree>
     <p:extLst>
       <p:ext uri="{BB962C8B-B14F-4D97-AF65-F5344CB8AC3E}">
@@ -4546,7 +4724,9 @@
         </p:nvSpPr>
         <p:spPr/>
         <p:txBody>
-          <a:bodyPr/>
+          <a:bodyPr>
+            <a:normAutofit lnSpcReduction="10000"/>
+          </a:bodyPr>
           <a:lstStyle/>
           <a:p>
             <a:r>
@@ -4585,8 +4765,30 @@
             </a:br>
             <a:r>
               <a:rPr lang="en-US" dirty="0"/>
-              <a:t>• determine what consumers really think based on opinions from social media</a:t>
-            </a:r>
+              <a:t>• determine what consumers really think based on opinions from social </a:t>
+            </a:r>
+            <a:r>
+              <a:rPr lang="en-US" dirty="0" smtClean="0"/>
+              <a:t>media</a:t>
+            </a:r>
+          </a:p>
+          <a:p>
+            <a:endParaRPr lang="en-US" dirty="0"/>
+          </a:p>
+          <a:p>
+            <a:r>
+              <a:rPr lang="en-US" dirty="0"/>
+              <a:t>See </a:t>
+            </a:r>
+            <a:r>
+              <a:rPr lang="en-US" dirty="0" err="1" smtClean="0"/>
+              <a:t>sentiment_and_text_analysis.pptx</a:t>
+            </a:r>
+            <a:r>
+              <a:rPr lang="en-US" dirty="0" smtClean="0"/>
+              <a:t> PowerPoint</a:t>
+            </a:r>
+            <a:endParaRPr lang="en-US" dirty="0"/>
           </a:p>
         </p:txBody>
       </p:sp>
@@ -4656,12 +4858,12 @@
         <p:spPr>
           <a:xfrm>
             <a:off x="2231136" y="2638044"/>
-            <a:ext cx="7729728" cy="3546999"/>
+            <a:ext cx="7729728" cy="3968239"/>
           </a:xfrm>
         </p:spPr>
         <p:txBody>
           <a:bodyPr>
-            <a:normAutofit lnSpcReduction="10000"/>
+            <a:normAutofit fontScale="92500"/>
           </a:bodyPr>
           <a:lstStyle/>
           <a:p>
@@ -4714,8 +4916,30 @@
             </a:br>
             <a:r>
               <a:rPr lang="en-US" dirty="0"/>
-              <a:t>• understand the social structure of a customer base</a:t>
-            </a:r>
+              <a:t>• understand the social structure of a customer </a:t>
+            </a:r>
+            <a:r>
+              <a:rPr lang="en-US" dirty="0" smtClean="0"/>
+              <a:t>base</a:t>
+            </a:r>
+          </a:p>
+          <a:p>
+            <a:endParaRPr lang="en-US" dirty="0"/>
+          </a:p>
+          <a:p>
+            <a:r>
+              <a:rPr lang="en-US" dirty="0"/>
+              <a:t>See </a:t>
+            </a:r>
+            <a:r>
+              <a:rPr lang="en-US" dirty="0" err="1" smtClean="0"/>
+              <a:t>web_and_social_analytics.pptx</a:t>
+            </a:r>
+            <a:r>
+              <a:rPr lang="en-US" dirty="0" smtClean="0"/>
+              <a:t> PowerPoint</a:t>
+            </a:r>
+            <a:endParaRPr lang="en-US" dirty="0"/>
           </a:p>
           <a:p>
             <a:endParaRPr lang="en-US" dirty="0"/>
